--- a/meet_12_03.pptx
+++ b/meet_12_03.pptx
@@ -5,7 +5,7 @@
     <p:sldMasterId id="2147483648" r:id="rId1"/>
   </p:sldMasterIdLst>
   <p:notesMasterIdLst>
-    <p:notesMasterId r:id="rId9"/>
+    <p:notesMasterId r:id="rId10"/>
   </p:notesMasterIdLst>
   <p:sldIdLst>
     <p:sldId id="256" r:id="rId2"/>
@@ -15,6 +15,7 @@
     <p:sldId id="261" r:id="rId6"/>
     <p:sldId id="262" r:id="rId7"/>
     <p:sldId id="263" r:id="rId8"/>
+    <p:sldId id="265" r:id="rId9"/>
   </p:sldIdLst>
   <p:sldSz cx="12192000" cy="6858000"/>
   <p:notesSz cx="6858000" cy="9144000"/>
@@ -203,7 +204,7 @@
           <a:p>
             <a:fld id="{05F4F045-AFC4-424A-9C4D-2E60B243F379}" type="datetimeFigureOut">
               <a:rPr lang="zh-CN" altLang="en-US" smtClean="0"/>
-              <a:t>2025/12/3</a:t>
+              <a:t>2025/12/4</a:t>
             </a:fld>
             <a:endParaRPr lang="zh-CN" altLang="en-US"/>
           </a:p>
@@ -617,7 +618,7 @@
           <a:p>
             <a:fld id="{18315F57-7705-4F3C-B73B-2A33951C44B7}" type="datetimeFigureOut">
               <a:rPr lang="zh-CN" altLang="en-US" smtClean="0"/>
-              <a:t>2025/12/3</a:t>
+              <a:t>2025/12/4</a:t>
             </a:fld>
             <a:endParaRPr lang="zh-CN" altLang="en-US"/>
           </a:p>
@@ -815,7 +816,7 @@
           <a:p>
             <a:fld id="{18315F57-7705-4F3C-B73B-2A33951C44B7}" type="datetimeFigureOut">
               <a:rPr lang="zh-CN" altLang="en-US" smtClean="0"/>
-              <a:t>2025/12/3</a:t>
+              <a:t>2025/12/4</a:t>
             </a:fld>
             <a:endParaRPr lang="zh-CN" altLang="en-US"/>
           </a:p>
@@ -1023,7 +1024,7 @@
           <a:p>
             <a:fld id="{18315F57-7705-4F3C-B73B-2A33951C44B7}" type="datetimeFigureOut">
               <a:rPr lang="zh-CN" altLang="en-US" smtClean="0"/>
-              <a:t>2025/12/3</a:t>
+              <a:t>2025/12/4</a:t>
             </a:fld>
             <a:endParaRPr lang="zh-CN" altLang="en-US"/>
           </a:p>
@@ -1221,7 +1222,7 @@
           <a:p>
             <a:fld id="{18315F57-7705-4F3C-B73B-2A33951C44B7}" type="datetimeFigureOut">
               <a:rPr lang="zh-CN" altLang="en-US" smtClean="0"/>
-              <a:t>2025/12/3</a:t>
+              <a:t>2025/12/4</a:t>
             </a:fld>
             <a:endParaRPr lang="zh-CN" altLang="en-US"/>
           </a:p>
@@ -1496,7 +1497,7 @@
           <a:p>
             <a:fld id="{18315F57-7705-4F3C-B73B-2A33951C44B7}" type="datetimeFigureOut">
               <a:rPr lang="zh-CN" altLang="en-US" smtClean="0"/>
-              <a:t>2025/12/3</a:t>
+              <a:t>2025/12/4</a:t>
             </a:fld>
             <a:endParaRPr lang="zh-CN" altLang="en-US"/>
           </a:p>
@@ -1761,7 +1762,7 @@
           <a:p>
             <a:fld id="{18315F57-7705-4F3C-B73B-2A33951C44B7}" type="datetimeFigureOut">
               <a:rPr lang="zh-CN" altLang="en-US" smtClean="0"/>
-              <a:t>2025/12/3</a:t>
+              <a:t>2025/12/4</a:t>
             </a:fld>
             <a:endParaRPr lang="zh-CN" altLang="en-US"/>
           </a:p>
@@ -2173,7 +2174,7 @@
           <a:p>
             <a:fld id="{18315F57-7705-4F3C-B73B-2A33951C44B7}" type="datetimeFigureOut">
               <a:rPr lang="zh-CN" altLang="en-US" smtClean="0"/>
-              <a:t>2025/12/3</a:t>
+              <a:t>2025/12/4</a:t>
             </a:fld>
             <a:endParaRPr lang="zh-CN" altLang="en-US"/>
           </a:p>
@@ -2314,7 +2315,7 @@
           <a:p>
             <a:fld id="{18315F57-7705-4F3C-B73B-2A33951C44B7}" type="datetimeFigureOut">
               <a:rPr lang="zh-CN" altLang="en-US" smtClean="0"/>
-              <a:t>2025/12/3</a:t>
+              <a:t>2025/12/4</a:t>
             </a:fld>
             <a:endParaRPr lang="zh-CN" altLang="en-US"/>
           </a:p>
@@ -2427,7 +2428,7 @@
           <a:p>
             <a:fld id="{18315F57-7705-4F3C-B73B-2A33951C44B7}" type="datetimeFigureOut">
               <a:rPr lang="zh-CN" altLang="en-US" smtClean="0"/>
-              <a:t>2025/12/3</a:t>
+              <a:t>2025/12/4</a:t>
             </a:fld>
             <a:endParaRPr lang="zh-CN" altLang="en-US"/>
           </a:p>
@@ -2738,7 +2739,7 @@
           <a:p>
             <a:fld id="{18315F57-7705-4F3C-B73B-2A33951C44B7}" type="datetimeFigureOut">
               <a:rPr lang="zh-CN" altLang="en-US" smtClean="0"/>
-              <a:t>2025/12/3</a:t>
+              <a:t>2025/12/4</a:t>
             </a:fld>
             <a:endParaRPr lang="zh-CN" altLang="en-US"/>
           </a:p>
@@ -3026,7 +3027,7 @@
           <a:p>
             <a:fld id="{18315F57-7705-4F3C-B73B-2A33951C44B7}" type="datetimeFigureOut">
               <a:rPr lang="zh-CN" altLang="en-US" smtClean="0"/>
-              <a:t>2025/12/3</a:t>
+              <a:t>2025/12/4</a:t>
             </a:fld>
             <a:endParaRPr lang="zh-CN" altLang="en-US"/>
           </a:p>
@@ -3267,7 +3268,7 @@
           <a:p>
             <a:fld id="{18315F57-7705-4F3C-B73B-2A33951C44B7}" type="datetimeFigureOut">
               <a:rPr lang="zh-CN" altLang="en-US" smtClean="0"/>
-              <a:t>2025/12/3</a:t>
+              <a:t>2025/12/4</a:t>
             </a:fld>
             <a:endParaRPr lang="zh-CN" altLang="en-US"/>
           </a:p>
@@ -10605,6 +10606,1790 @@
 </p:sld>
 </file>
 
+<file path=ppt/slides/slide8.xml><?xml version="1.0" encoding="utf-8"?>
+<p:sld xmlns:a="http://schemas.openxmlformats.org/drawingml/2006/main" xmlns:r="http://schemas.openxmlformats.org/officeDocument/2006/relationships" xmlns:p="http://schemas.openxmlformats.org/presentationml/2006/main">
+  <p:cSld>
+    <p:spTree>
+      <p:nvGrpSpPr>
+        <p:cNvPr id="1" name="">
+          <a:extLst>
+            <a:ext uri="{FF2B5EF4-FFF2-40B4-BE49-F238E27FC236}">
+              <a16:creationId xmlns:a16="http://schemas.microsoft.com/office/drawing/2014/main" id="{FC157D07-1938-531D-DCFD-BB1926DC4DC1}"/>
+            </a:ext>
+          </a:extLst>
+        </p:cNvPr>
+        <p:cNvGrpSpPr/>
+        <p:nvPr/>
+      </p:nvGrpSpPr>
+      <p:grpSpPr>
+        <a:xfrm>
+          <a:off x="0" y="0"/>
+          <a:ext cx="0" cy="0"/>
+          <a:chOff x="0" y="0"/>
+          <a:chExt cx="0" cy="0"/>
+        </a:xfrm>
+      </p:grpSpPr>
+      <p:sp>
+        <p:nvSpPr>
+          <p:cNvPr id="4" name="矩形 3">
+            <a:extLst>
+              <a:ext uri="{FF2B5EF4-FFF2-40B4-BE49-F238E27FC236}">
+                <a16:creationId xmlns:a16="http://schemas.microsoft.com/office/drawing/2014/main" id="{2FC6552D-092B-6914-2C55-D0BBE7AA8508}"/>
+              </a:ext>
+            </a:extLst>
+          </p:cNvPr>
+          <p:cNvSpPr/>
+          <p:nvPr/>
+        </p:nvSpPr>
+        <p:spPr>
+          <a:xfrm>
+            <a:off x="0" y="449801"/>
+            <a:ext cx="12192000" cy="170993"/>
+          </a:xfrm>
+          <a:prstGeom prst="rect">
+            <a:avLst/>
+          </a:prstGeom>
+          <a:gradFill flip="none" rotWithShape="1">
+            <a:gsLst>
+              <a:gs pos="0">
+                <a:schemeClr val="accent1">
+                  <a:lumMod val="5000"/>
+                  <a:lumOff val="95000"/>
+                </a:schemeClr>
+              </a:gs>
+              <a:gs pos="98000">
+                <a:schemeClr val="accent1">
+                  <a:lumMod val="45000"/>
+                  <a:lumOff val="55000"/>
+                </a:schemeClr>
+              </a:gs>
+              <a:gs pos="91000">
+                <a:schemeClr val="accent1">
+                  <a:lumMod val="45000"/>
+                  <a:lumOff val="55000"/>
+                </a:schemeClr>
+              </a:gs>
+              <a:gs pos="100000">
+                <a:schemeClr val="accent1">
+                  <a:lumMod val="30000"/>
+                  <a:lumOff val="70000"/>
+                </a:schemeClr>
+              </a:gs>
+            </a:gsLst>
+            <a:lin ang="10800000" scaled="1"/>
+            <a:tileRect/>
+          </a:gradFill>
+          <a:ln>
+            <a:noFill/>
+          </a:ln>
+        </p:spPr>
+        <p:style>
+          <a:lnRef idx="2">
+            <a:schemeClr val="accent1">
+              <a:shade val="15000"/>
+            </a:schemeClr>
+          </a:lnRef>
+          <a:fillRef idx="1">
+            <a:schemeClr val="accent1"/>
+          </a:fillRef>
+          <a:effectRef idx="0">
+            <a:schemeClr val="accent1"/>
+          </a:effectRef>
+          <a:fontRef idx="minor">
+            <a:schemeClr val="lt1"/>
+          </a:fontRef>
+        </p:style>
+        <p:txBody>
+          <a:bodyPr rtlCol="0" anchor="ctr"/>
+          <a:lstStyle/>
+          <a:p>
+            <a:pPr algn="ctr"/>
+            <a:endParaRPr lang="zh-CN" altLang="en-US"/>
+          </a:p>
+        </p:txBody>
+      </p:sp>
+      <p:sp>
+        <p:nvSpPr>
+          <p:cNvPr id="5" name="文本框 4">
+            <a:extLst>
+              <a:ext uri="{FF2B5EF4-FFF2-40B4-BE49-F238E27FC236}">
+                <a16:creationId xmlns:a16="http://schemas.microsoft.com/office/drawing/2014/main" id="{0DC1423B-5218-8E26-F274-3A24C23DB5B2}"/>
+              </a:ext>
+            </a:extLst>
+          </p:cNvPr>
+          <p:cNvSpPr txBox="1"/>
+          <p:nvPr/>
+        </p:nvSpPr>
+        <p:spPr>
+          <a:xfrm>
+            <a:off x="0" y="0"/>
+            <a:ext cx="4337914" cy="461665"/>
+          </a:xfrm>
+          <a:prstGeom prst="rect">
+            <a:avLst/>
+          </a:prstGeom>
+          <a:noFill/>
+        </p:spPr>
+        <p:txBody>
+          <a:bodyPr wrap="square" rtlCol="0">
+            <a:spAutoFit/>
+          </a:bodyPr>
+          <a:lstStyle/>
+          <a:p>
+            <a:r>
+              <a:rPr lang="en-US" altLang="zh-CN" sz="2400" dirty="0">
+                <a:solidFill>
+                  <a:schemeClr val="accent4">
+                    <a:lumMod val="75000"/>
+                  </a:schemeClr>
+                </a:solidFill>
+                <a:latin typeface="Inconsolata Medium" panose="00000509000000000000" pitchFamily="49" charset="0"/>
+                <a:ea typeface="Inconsolata Medium" panose="00000509000000000000" pitchFamily="49" charset="0"/>
+              </a:rPr>
+              <a:t>2 Task Description</a:t>
+            </a:r>
+            <a:endParaRPr lang="zh-CN" altLang="en-US" sz="2400" dirty="0">
+              <a:solidFill>
+                <a:schemeClr val="accent4">
+                  <a:lumMod val="75000"/>
+                </a:schemeClr>
+              </a:solidFill>
+              <a:latin typeface="Inconsolata Medium" panose="00000509000000000000" pitchFamily="49" charset="0"/>
+            </a:endParaRPr>
+          </a:p>
+        </p:txBody>
+      </p:sp>
+      <p:sp>
+        <p:nvSpPr>
+          <p:cNvPr id="3" name="矩形: 圆角 2">
+            <a:extLst>
+              <a:ext uri="{FF2B5EF4-FFF2-40B4-BE49-F238E27FC236}">
+                <a16:creationId xmlns:a16="http://schemas.microsoft.com/office/drawing/2014/main" id="{A9BD37D3-6F36-B7A2-D873-F72A7C0D4A14}"/>
+              </a:ext>
+            </a:extLst>
+          </p:cNvPr>
+          <p:cNvSpPr/>
+          <p:nvPr/>
+        </p:nvSpPr>
+        <p:spPr>
+          <a:xfrm>
+            <a:off x="5270479" y="1279438"/>
+            <a:ext cx="3101645" cy="1308073"/>
+          </a:xfrm>
+          <a:prstGeom prst="roundRect">
+            <a:avLst/>
+          </a:prstGeom>
+          <a:noFill/>
+        </p:spPr>
+        <p:style>
+          <a:lnRef idx="2">
+            <a:schemeClr val="accent1">
+              <a:shade val="15000"/>
+            </a:schemeClr>
+          </a:lnRef>
+          <a:fillRef idx="1">
+            <a:schemeClr val="accent1"/>
+          </a:fillRef>
+          <a:effectRef idx="0">
+            <a:schemeClr val="accent1"/>
+          </a:effectRef>
+          <a:fontRef idx="minor">
+            <a:schemeClr val="lt1"/>
+          </a:fontRef>
+        </p:style>
+        <p:txBody>
+          <a:bodyPr rtlCol="0" anchor="ctr"/>
+          <a:lstStyle/>
+          <a:p>
+            <a:pPr algn="ctr"/>
+            <a:r>
+              <a:rPr lang="en-US" altLang="zh-CN" b="1" dirty="0">
+                <a:solidFill>
+                  <a:schemeClr val="tx1"/>
+                </a:solidFill>
+                <a:latin typeface="Inconsolata" panose="00000509000000000000" pitchFamily="49" charset="0"/>
+                <a:ea typeface="Inconsolata" panose="00000509000000000000" pitchFamily="49" charset="0"/>
+              </a:rPr>
+              <a:t>Policy</a:t>
+            </a:r>
+            <a:r>
+              <a:rPr lang="en-US" altLang="zh-CN" dirty="0">
+                <a:solidFill>
+                  <a:schemeClr val="tx1"/>
+                </a:solidFill>
+                <a:latin typeface="Inconsolata" panose="00000509000000000000" pitchFamily="49" charset="0"/>
+                <a:ea typeface="Inconsolata" panose="00000509000000000000" pitchFamily="49" charset="0"/>
+              </a:rPr>
+              <a:t> model (MLP)</a:t>
+            </a:r>
+            <a:endParaRPr lang="zh-CN" altLang="en-US" dirty="0">
+              <a:solidFill>
+                <a:schemeClr val="tx1"/>
+              </a:solidFill>
+              <a:latin typeface="Inconsolata" panose="00000509000000000000" pitchFamily="49" charset="0"/>
+            </a:endParaRPr>
+          </a:p>
+        </p:txBody>
+      </p:sp>
+      <p:sp>
+        <p:nvSpPr>
+          <p:cNvPr id="10" name="矩形: 圆角 9">
+            <a:extLst>
+              <a:ext uri="{FF2B5EF4-FFF2-40B4-BE49-F238E27FC236}">
+                <a16:creationId xmlns:a16="http://schemas.microsoft.com/office/drawing/2014/main" id="{97A7FA3A-993E-EB83-0E75-74D1E9E8DCDA}"/>
+              </a:ext>
+            </a:extLst>
+          </p:cNvPr>
+          <p:cNvSpPr/>
+          <p:nvPr/>
+        </p:nvSpPr>
+        <p:spPr>
+          <a:xfrm>
+            <a:off x="9297619" y="1714934"/>
+            <a:ext cx="1439876" cy="437083"/>
+          </a:xfrm>
+          <a:prstGeom prst="roundRect">
+            <a:avLst/>
+          </a:prstGeom>
+          <a:noFill/>
+        </p:spPr>
+        <p:style>
+          <a:lnRef idx="2">
+            <a:schemeClr val="accent1">
+              <a:shade val="15000"/>
+            </a:schemeClr>
+          </a:lnRef>
+          <a:fillRef idx="1">
+            <a:schemeClr val="accent1"/>
+          </a:fillRef>
+          <a:effectRef idx="0">
+            <a:schemeClr val="accent1"/>
+          </a:effectRef>
+          <a:fontRef idx="minor">
+            <a:schemeClr val="lt1"/>
+          </a:fontRef>
+        </p:style>
+        <p:txBody>
+          <a:bodyPr rtlCol="0" anchor="ctr"/>
+          <a:lstStyle/>
+          <a:p>
+            <a:pPr algn="ctr"/>
+            <a:r>
+              <a:rPr lang="en-US" altLang="zh-CN" b="1" dirty="0">
+                <a:solidFill>
+                  <a:schemeClr val="tx1"/>
+                </a:solidFill>
+                <a:latin typeface="Inconsolata" panose="00000509000000000000" pitchFamily="49" charset="0"/>
+                <a:ea typeface="Inconsolata" panose="00000509000000000000" pitchFamily="49" charset="0"/>
+              </a:rPr>
+              <a:t>Action</a:t>
+            </a:r>
+            <a:endParaRPr lang="zh-CN" altLang="en-US" b="1" dirty="0">
+              <a:solidFill>
+                <a:schemeClr val="tx1"/>
+              </a:solidFill>
+              <a:latin typeface="Inconsolata" panose="00000509000000000000" pitchFamily="49" charset="0"/>
+            </a:endParaRPr>
+          </a:p>
+        </p:txBody>
+      </p:sp>
+      <p:cxnSp>
+        <p:nvCxnSpPr>
+          <p:cNvPr id="12" name="直接箭头连接符 11">
+            <a:extLst>
+              <a:ext uri="{FF2B5EF4-FFF2-40B4-BE49-F238E27FC236}">
+                <a16:creationId xmlns:a16="http://schemas.microsoft.com/office/drawing/2014/main" id="{C4446523-B4A4-143D-2A81-A714289ED101}"/>
+              </a:ext>
+            </a:extLst>
+          </p:cNvPr>
+          <p:cNvCxnSpPr>
+            <a:cxnSpLocks/>
+            <a:stCxn id="3" idx="3"/>
+            <a:endCxn id="10" idx="1"/>
+          </p:cNvCxnSpPr>
+          <p:nvPr/>
+        </p:nvCxnSpPr>
+        <p:spPr>
+          <a:xfrm>
+            <a:off x="8372124" y="1933475"/>
+            <a:ext cx="925495" cy="1"/>
+          </a:xfrm>
+          <a:prstGeom prst="straightConnector1">
+            <a:avLst/>
+          </a:prstGeom>
+          <a:ln>
+            <a:tailEnd type="triangle"/>
+          </a:ln>
+        </p:spPr>
+        <p:style>
+          <a:lnRef idx="2">
+            <a:schemeClr val="dk1"/>
+          </a:lnRef>
+          <a:fillRef idx="0">
+            <a:schemeClr val="dk1"/>
+          </a:fillRef>
+          <a:effectRef idx="1">
+            <a:schemeClr val="dk1"/>
+          </a:effectRef>
+          <a:fontRef idx="minor">
+            <a:schemeClr val="tx1"/>
+          </a:fontRef>
+        </p:style>
+      </p:cxnSp>
+      <p:grpSp>
+        <p:nvGrpSpPr>
+          <p:cNvPr id="33" name="组合 32">
+            <a:extLst>
+              <a:ext uri="{FF2B5EF4-FFF2-40B4-BE49-F238E27FC236}">
+                <a16:creationId xmlns:a16="http://schemas.microsoft.com/office/drawing/2014/main" id="{15330FEC-7E02-80AB-9F36-3486228D7EBE}"/>
+              </a:ext>
+            </a:extLst>
+          </p:cNvPr>
+          <p:cNvGrpSpPr/>
+          <p:nvPr/>
+        </p:nvGrpSpPr>
+        <p:grpSpPr>
+          <a:xfrm>
+            <a:off x="306338" y="573174"/>
+            <a:ext cx="3938017" cy="2339219"/>
+            <a:chOff x="141425" y="469632"/>
+            <a:chExt cx="3938017" cy="2339219"/>
+          </a:xfrm>
+        </p:grpSpPr>
+        <p:sp>
+          <p:nvSpPr>
+            <p:cNvPr id="14" name="矩形: 圆角 13">
+              <a:extLst>
+                <a:ext uri="{FF2B5EF4-FFF2-40B4-BE49-F238E27FC236}">
+                  <a16:creationId xmlns:a16="http://schemas.microsoft.com/office/drawing/2014/main" id="{3B163AE3-B9CB-C12D-945F-945E405877D1}"/>
+                </a:ext>
+              </a:extLst>
+            </p:cNvPr>
+            <p:cNvSpPr/>
+            <p:nvPr/>
+          </p:nvSpPr>
+          <p:spPr>
+            <a:xfrm>
+              <a:off x="141426" y="842476"/>
+              <a:ext cx="3938016" cy="456237"/>
+            </a:xfrm>
+            <a:prstGeom prst="roundRect">
+              <a:avLst/>
+            </a:prstGeom>
+            <a:noFill/>
+          </p:spPr>
+          <p:style>
+            <a:lnRef idx="2">
+              <a:schemeClr val="accent1">
+                <a:shade val="15000"/>
+              </a:schemeClr>
+            </a:lnRef>
+            <a:fillRef idx="1">
+              <a:schemeClr val="accent1"/>
+            </a:fillRef>
+            <a:effectRef idx="0">
+              <a:schemeClr val="accent1"/>
+            </a:effectRef>
+            <a:fontRef idx="minor">
+              <a:schemeClr val="lt1"/>
+            </a:fontRef>
+          </p:style>
+          <p:txBody>
+            <a:bodyPr rtlCol="0" anchor="ctr"/>
+            <a:lstStyle/>
+            <a:p>
+              <a:pPr algn="ctr"/>
+              <a:r>
+                <a:rPr lang="en-US" altLang="zh-CN" sz="1600" dirty="0">
+                  <a:solidFill>
+                    <a:schemeClr val="tx1"/>
+                  </a:solidFill>
+                  <a:latin typeface="Inconsolata" panose="00000509000000000000" pitchFamily="49" charset="0"/>
+                </a:rPr>
+                <a:t>fov_box_observation (dis, ang)</a:t>
+              </a:r>
+              <a:endParaRPr lang="zh-CN" altLang="en-US" sz="1600" dirty="0">
+                <a:solidFill>
+                  <a:schemeClr val="tx1"/>
+                </a:solidFill>
+                <a:latin typeface="Inconsolata" panose="00000509000000000000" pitchFamily="49" charset="0"/>
+              </a:endParaRPr>
+            </a:p>
+          </p:txBody>
+        </p:sp>
+        <p:sp>
+          <p:nvSpPr>
+            <p:cNvPr id="15" name="矩形: 圆角 14">
+              <a:extLst>
+                <a:ext uri="{FF2B5EF4-FFF2-40B4-BE49-F238E27FC236}">
+                  <a16:creationId xmlns:a16="http://schemas.microsoft.com/office/drawing/2014/main" id="{18A42006-A857-36B9-245C-AFFCE7D8E847}"/>
+                </a:ext>
+              </a:extLst>
+            </p:cNvPr>
+            <p:cNvSpPr/>
+            <p:nvPr/>
+          </p:nvSpPr>
+          <p:spPr>
+            <a:xfrm>
+              <a:off x="141425" y="1435759"/>
+              <a:ext cx="3938017" cy="524715"/>
+            </a:xfrm>
+            <a:prstGeom prst="roundRect">
+              <a:avLst/>
+            </a:prstGeom>
+            <a:noFill/>
+          </p:spPr>
+          <p:style>
+            <a:lnRef idx="2">
+              <a:schemeClr val="accent1">
+                <a:shade val="15000"/>
+              </a:schemeClr>
+            </a:lnRef>
+            <a:fillRef idx="1">
+              <a:schemeClr val="accent1"/>
+            </a:fillRef>
+            <a:effectRef idx="0">
+              <a:schemeClr val="accent1"/>
+            </a:effectRef>
+            <a:fontRef idx="minor">
+              <a:schemeClr val="lt1"/>
+            </a:fontRef>
+          </p:style>
+          <p:txBody>
+            <a:bodyPr rtlCol="0" anchor="ctr"/>
+            <a:lstStyle/>
+            <a:p>
+              <a:pPr algn="ctr"/>
+              <a:r>
+                <a:rPr lang="en-US" altLang="zh-CN" sz="1600" dirty="0" err="1">
+                  <a:solidFill>
+                    <a:schemeClr val="tx1"/>
+                  </a:solidFill>
+                  <a:latin typeface="Inconsolata" panose="00000509000000000000" pitchFamily="49" charset="0"/>
+                </a:rPr>
+                <a:t>fov_goal_observation</a:t>
+              </a:r>
+              <a:r>
+                <a:rPr lang="en-US" altLang="zh-CN" sz="1600" dirty="0">
+                  <a:solidFill>
+                    <a:schemeClr val="tx1"/>
+                  </a:solidFill>
+                  <a:latin typeface="Inconsolata" panose="00000509000000000000" pitchFamily="49" charset="0"/>
+                </a:rPr>
+                <a:t> (</a:t>
+              </a:r>
+              <a:r>
+                <a:rPr lang="en-US" altLang="zh-CN" sz="1600" dirty="0" err="1">
+                  <a:solidFill>
+                    <a:schemeClr val="tx1"/>
+                  </a:solidFill>
+                  <a:latin typeface="Inconsolata" panose="00000509000000000000" pitchFamily="49" charset="0"/>
+                </a:rPr>
+                <a:t>dis,ang</a:t>
+              </a:r>
+              <a:r>
+                <a:rPr lang="en-US" altLang="zh-CN" sz="1600" dirty="0">
+                  <a:solidFill>
+                    <a:schemeClr val="tx1"/>
+                  </a:solidFill>
+                  <a:latin typeface="Inconsolata" panose="00000509000000000000" pitchFamily="49" charset="0"/>
+                </a:rPr>
+                <a:t>)</a:t>
+              </a:r>
+              <a:endParaRPr lang="zh-CN" altLang="en-US" sz="1600" dirty="0">
+                <a:solidFill>
+                  <a:schemeClr val="tx1"/>
+                </a:solidFill>
+                <a:latin typeface="Inconsolata" panose="00000509000000000000" pitchFamily="49" charset="0"/>
+              </a:endParaRPr>
+            </a:p>
+          </p:txBody>
+        </p:sp>
+        <p:sp>
+          <p:nvSpPr>
+            <p:cNvPr id="29" name="矩形: 圆角 28">
+              <a:extLst>
+                <a:ext uri="{FF2B5EF4-FFF2-40B4-BE49-F238E27FC236}">
+                  <a16:creationId xmlns:a16="http://schemas.microsoft.com/office/drawing/2014/main" id="{79B52D27-006B-3819-BDD5-2D51C86E1C74}"/>
+                </a:ext>
+              </a:extLst>
+            </p:cNvPr>
+            <p:cNvSpPr/>
+            <p:nvPr/>
+          </p:nvSpPr>
+          <p:spPr>
+            <a:xfrm>
+              <a:off x="141425" y="2064019"/>
+              <a:ext cx="3938017" cy="744832"/>
+            </a:xfrm>
+            <a:prstGeom prst="roundRect">
+              <a:avLst/>
+            </a:prstGeom>
+            <a:noFill/>
+          </p:spPr>
+          <p:style>
+            <a:lnRef idx="2">
+              <a:schemeClr val="accent1">
+                <a:shade val="15000"/>
+              </a:schemeClr>
+            </a:lnRef>
+            <a:fillRef idx="1">
+              <a:schemeClr val="accent1"/>
+            </a:fillRef>
+            <a:effectRef idx="0">
+              <a:schemeClr val="accent1"/>
+            </a:effectRef>
+            <a:fontRef idx="minor">
+              <a:schemeClr val="lt1"/>
+            </a:fontRef>
+          </p:style>
+          <p:txBody>
+            <a:bodyPr rtlCol="0" anchor="ctr"/>
+            <a:lstStyle/>
+            <a:p>
+              <a:pPr algn="ctr"/>
+              <a:r>
+                <a:rPr lang="en-US" altLang="zh-CN" sz="1600" dirty="0">
+                  <a:solidFill>
+                    <a:schemeClr val="tx1"/>
+                  </a:solidFill>
+                  <a:latin typeface="Inconsolata" panose="00000509000000000000" pitchFamily="49" charset="0"/>
+                </a:rPr>
+                <a:t>trajectory_observation</a:t>
+              </a:r>
+            </a:p>
+            <a:p>
+              <a:pPr algn="ctr"/>
+              <a:r>
+                <a:rPr lang="en-US" altLang="zh-CN" sz="1600" dirty="0">
+                  <a:solidFill>
+                    <a:schemeClr val="tx1"/>
+                  </a:solidFill>
+                  <a:latin typeface="Inconsolata" panose="00000509000000000000" pitchFamily="49" charset="0"/>
+                </a:rPr>
+                <a:t>((</a:t>
+              </a:r>
+              <a:r>
+                <a:rPr lang="en-US" altLang="zh-CN" sz="1600" dirty="0" err="1">
+                  <a:solidFill>
+                    <a:schemeClr val="tx1"/>
+                  </a:solidFill>
+                  <a:latin typeface="Inconsolata" panose="00000509000000000000" pitchFamily="49" charset="0"/>
+                </a:rPr>
+                <a:t>xt,yt</a:t>
+              </a:r>
+              <a:r>
+                <a:rPr lang="en-US" altLang="zh-CN" sz="1600" dirty="0">
+                  <a:solidFill>
+                    <a:schemeClr val="tx1"/>
+                  </a:solidFill>
+                  <a:latin typeface="Inconsolata" panose="00000509000000000000" pitchFamily="49" charset="0"/>
+                </a:rPr>
+                <a:t>),(xt+2, yt+2))</a:t>
+              </a:r>
+              <a:endParaRPr lang="zh-CN" altLang="en-US" sz="1600" dirty="0">
+                <a:solidFill>
+                  <a:schemeClr val="tx1"/>
+                </a:solidFill>
+                <a:latin typeface="Inconsolata" panose="00000509000000000000" pitchFamily="49" charset="0"/>
+              </a:endParaRPr>
+            </a:p>
+          </p:txBody>
+        </p:sp>
+        <p:sp>
+          <p:nvSpPr>
+            <p:cNvPr id="32" name="文本框 31">
+              <a:extLst>
+                <a:ext uri="{FF2B5EF4-FFF2-40B4-BE49-F238E27FC236}">
+                  <a16:creationId xmlns:a16="http://schemas.microsoft.com/office/drawing/2014/main" id="{30BB3661-34A5-F596-EE62-A6A617D7C313}"/>
+                </a:ext>
+              </a:extLst>
+            </p:cNvPr>
+            <p:cNvSpPr txBox="1"/>
+            <p:nvPr/>
+          </p:nvSpPr>
+          <p:spPr>
+            <a:xfrm>
+              <a:off x="1329821" y="469632"/>
+              <a:ext cx="1561223" cy="369332"/>
+            </a:xfrm>
+            <a:prstGeom prst="rect">
+              <a:avLst/>
+            </a:prstGeom>
+            <a:noFill/>
+          </p:spPr>
+          <p:txBody>
+            <a:bodyPr wrap="square">
+              <a:spAutoFit/>
+            </a:bodyPr>
+            <a:lstStyle/>
+            <a:p>
+              <a:pPr algn="ctr"/>
+              <a:r>
+                <a:rPr lang="en-US" altLang="zh-CN" b="1" dirty="0">
+                  <a:solidFill>
+                    <a:schemeClr val="tx1"/>
+                  </a:solidFill>
+                  <a:latin typeface="Inconsolata" panose="00000509000000000000" pitchFamily="49" charset="0"/>
+                </a:rPr>
+                <a:t>Observation</a:t>
+              </a:r>
+              <a:endParaRPr lang="zh-CN" altLang="en-US" b="1" dirty="0">
+                <a:solidFill>
+                  <a:schemeClr val="tx1"/>
+                </a:solidFill>
+                <a:latin typeface="Inconsolata" panose="00000509000000000000" pitchFamily="49" charset="0"/>
+              </a:endParaRPr>
+            </a:p>
+          </p:txBody>
+        </p:sp>
+      </p:grpSp>
+      <p:sp>
+        <p:nvSpPr>
+          <p:cNvPr id="37" name="文本框 36">
+            <a:extLst>
+              <a:ext uri="{FF2B5EF4-FFF2-40B4-BE49-F238E27FC236}">
+                <a16:creationId xmlns:a16="http://schemas.microsoft.com/office/drawing/2014/main" id="{9EF695C7-3CDC-5DAD-5A39-AD3188092A69}"/>
+              </a:ext>
+            </a:extLst>
+          </p:cNvPr>
+          <p:cNvSpPr txBox="1"/>
+          <p:nvPr/>
+        </p:nvSpPr>
+        <p:spPr>
+          <a:xfrm>
+            <a:off x="5408657" y="3354393"/>
+            <a:ext cx="986943" cy="369332"/>
+          </a:xfrm>
+          <a:prstGeom prst="rect">
+            <a:avLst/>
+          </a:prstGeom>
+          <a:noFill/>
+        </p:spPr>
+        <p:txBody>
+          <a:bodyPr wrap="square">
+            <a:spAutoFit/>
+          </a:bodyPr>
+          <a:lstStyle/>
+          <a:p>
+            <a:r>
+              <a:rPr lang="en-US" altLang="zh-CN" b="1" dirty="0">
+                <a:solidFill>
+                  <a:schemeClr val="tx1"/>
+                </a:solidFill>
+                <a:latin typeface="Inconsolata" panose="00000509000000000000" pitchFamily="49" charset="0"/>
+              </a:rPr>
+              <a:t>reward</a:t>
+            </a:r>
+            <a:endParaRPr lang="zh-CN" altLang="en-US" dirty="0"/>
+          </a:p>
+        </p:txBody>
+      </p:sp>
+      <p:sp>
+        <p:nvSpPr>
+          <p:cNvPr id="39" name="箭头: 右 38">
+            <a:extLst>
+              <a:ext uri="{FF2B5EF4-FFF2-40B4-BE49-F238E27FC236}">
+                <a16:creationId xmlns:a16="http://schemas.microsoft.com/office/drawing/2014/main" id="{415B9278-3780-F76F-25EB-F0750896A575}"/>
+              </a:ext>
+            </a:extLst>
+          </p:cNvPr>
+          <p:cNvSpPr/>
+          <p:nvPr/>
+        </p:nvSpPr>
+        <p:spPr>
+          <a:xfrm>
+            <a:off x="4470760" y="1768146"/>
+            <a:ext cx="573314" cy="342024"/>
+          </a:xfrm>
+          <a:prstGeom prst="rightArrow">
+            <a:avLst/>
+          </a:prstGeom>
+          <a:noFill/>
+        </p:spPr>
+        <p:style>
+          <a:lnRef idx="2">
+            <a:schemeClr val="accent1">
+              <a:shade val="15000"/>
+            </a:schemeClr>
+          </a:lnRef>
+          <a:fillRef idx="1">
+            <a:schemeClr val="accent1"/>
+          </a:fillRef>
+          <a:effectRef idx="0">
+            <a:schemeClr val="accent1"/>
+          </a:effectRef>
+          <a:fontRef idx="minor">
+            <a:schemeClr val="lt1"/>
+          </a:fontRef>
+        </p:style>
+        <p:txBody>
+          <a:bodyPr rtlCol="0" anchor="ctr"/>
+          <a:lstStyle/>
+          <a:p>
+            <a:pPr algn="ctr"/>
+            <a:endParaRPr lang="zh-CN" altLang="en-US"/>
+          </a:p>
+        </p:txBody>
+      </p:sp>
+      <p:sp>
+        <p:nvSpPr>
+          <p:cNvPr id="40" name="文本框 39">
+            <a:extLst>
+              <a:ext uri="{FF2B5EF4-FFF2-40B4-BE49-F238E27FC236}">
+                <a16:creationId xmlns:a16="http://schemas.microsoft.com/office/drawing/2014/main" id="{84F7CD22-5920-8252-3AD7-964A78BE63D2}"/>
+              </a:ext>
+            </a:extLst>
+          </p:cNvPr>
+          <p:cNvSpPr txBox="1"/>
+          <p:nvPr/>
+        </p:nvSpPr>
+        <p:spPr>
+          <a:xfrm>
+            <a:off x="4314262" y="2127289"/>
+            <a:ext cx="986943" cy="338554"/>
+          </a:xfrm>
+          <a:prstGeom prst="rect">
+            <a:avLst/>
+          </a:prstGeom>
+          <a:noFill/>
+        </p:spPr>
+        <p:txBody>
+          <a:bodyPr wrap="square">
+            <a:spAutoFit/>
+          </a:bodyPr>
+          <a:lstStyle/>
+          <a:p>
+            <a:r>
+              <a:rPr lang="en-US" altLang="zh-CN" sz="1600" dirty="0">
+                <a:solidFill>
+                  <a:schemeClr val="tx1"/>
+                </a:solidFill>
+                <a:latin typeface="Inconsolata" panose="00000509000000000000" pitchFamily="49" charset="0"/>
+              </a:rPr>
+              <a:t>flatten</a:t>
+            </a:r>
+            <a:endParaRPr lang="zh-CN" altLang="en-US" sz="1600" dirty="0"/>
+          </a:p>
+        </p:txBody>
+      </p:sp>
+      <p:grpSp>
+        <p:nvGrpSpPr>
+          <p:cNvPr id="65" name="组合 64">
+            <a:extLst>
+              <a:ext uri="{FF2B5EF4-FFF2-40B4-BE49-F238E27FC236}">
+                <a16:creationId xmlns:a16="http://schemas.microsoft.com/office/drawing/2014/main" id="{C52CE140-2205-C428-B3BB-FBE9307D0124}"/>
+              </a:ext>
+            </a:extLst>
+          </p:cNvPr>
+          <p:cNvGrpSpPr/>
+          <p:nvPr/>
+        </p:nvGrpSpPr>
+        <p:grpSpPr>
+          <a:xfrm>
+            <a:off x="486328" y="3926469"/>
+            <a:ext cx="11269022" cy="2767277"/>
+            <a:chOff x="852087" y="3246157"/>
+            <a:chExt cx="11269022" cy="2767277"/>
+          </a:xfrm>
+        </p:grpSpPr>
+        <p:sp>
+          <p:nvSpPr>
+            <p:cNvPr id="38" name="矩形: 圆角 37">
+              <a:extLst>
+                <a:ext uri="{FF2B5EF4-FFF2-40B4-BE49-F238E27FC236}">
+                  <a16:creationId xmlns:a16="http://schemas.microsoft.com/office/drawing/2014/main" id="{8CC59263-7233-4E4C-8E1A-8B456C5825A7}"/>
+                </a:ext>
+              </a:extLst>
+            </p:cNvPr>
+            <p:cNvSpPr/>
+            <p:nvPr/>
+          </p:nvSpPr>
+          <p:spPr>
+            <a:xfrm>
+              <a:off x="852087" y="4189494"/>
+              <a:ext cx="2846513" cy="524715"/>
+            </a:xfrm>
+            <a:prstGeom prst="roundRect">
+              <a:avLst>
+                <a:gd name="adj" fmla="val 50000"/>
+              </a:avLst>
+            </a:prstGeom>
+            <a:noFill/>
+            <a:ln>
+              <a:solidFill>
+                <a:schemeClr val="accent6"/>
+              </a:solidFill>
+            </a:ln>
+          </p:spPr>
+          <p:style>
+            <a:lnRef idx="2">
+              <a:schemeClr val="accent1">
+                <a:shade val="15000"/>
+              </a:schemeClr>
+            </a:lnRef>
+            <a:fillRef idx="1">
+              <a:schemeClr val="accent1"/>
+            </a:fillRef>
+            <a:effectRef idx="0">
+              <a:schemeClr val="accent1"/>
+            </a:effectRef>
+            <a:fontRef idx="minor">
+              <a:schemeClr val="lt1"/>
+            </a:fontRef>
+          </p:style>
+          <p:txBody>
+            <a:bodyPr rtlCol="0" anchor="ctr"/>
+            <a:lstStyle/>
+            <a:p>
+              <a:pPr algn="ctr"/>
+              <a:r>
+                <a:rPr lang="en-US" altLang="zh-CN" sz="1600" dirty="0">
+                  <a:solidFill>
+                    <a:schemeClr val="accent6"/>
+                  </a:solidFill>
+                  <a:latin typeface="Inconsolata" panose="00000509000000000000" pitchFamily="49" charset="0"/>
+                </a:rPr>
+                <a:t>robot_angle_to_box</a:t>
+              </a:r>
+              <a:endParaRPr lang="zh-CN" altLang="en-US" sz="1600" dirty="0">
+                <a:solidFill>
+                  <a:schemeClr val="accent6"/>
+                </a:solidFill>
+                <a:latin typeface="Inconsolata" panose="00000509000000000000" pitchFamily="49" charset="0"/>
+              </a:endParaRPr>
+            </a:p>
+          </p:txBody>
+        </p:sp>
+        <p:sp>
+          <p:nvSpPr>
+            <p:cNvPr id="44" name="矩形: 圆角 43">
+              <a:extLst>
+                <a:ext uri="{FF2B5EF4-FFF2-40B4-BE49-F238E27FC236}">
+                  <a16:creationId xmlns:a16="http://schemas.microsoft.com/office/drawing/2014/main" id="{3B8B1F7A-6161-EC8B-24AE-252B2ABE5249}"/>
+                </a:ext>
+              </a:extLst>
+            </p:cNvPr>
+            <p:cNvSpPr/>
+            <p:nvPr/>
+          </p:nvSpPr>
+          <p:spPr>
+            <a:xfrm>
+              <a:off x="852088" y="3255035"/>
+              <a:ext cx="2856710" cy="524715"/>
+            </a:xfrm>
+            <a:prstGeom prst="roundRect">
+              <a:avLst>
+                <a:gd name="adj" fmla="val 50000"/>
+              </a:avLst>
+            </a:prstGeom>
+            <a:noFill/>
+            <a:ln>
+              <a:solidFill>
+                <a:schemeClr val="accent6"/>
+              </a:solidFill>
+            </a:ln>
+          </p:spPr>
+          <p:style>
+            <a:lnRef idx="2">
+              <a:schemeClr val="accent1">
+                <a:shade val="15000"/>
+              </a:schemeClr>
+            </a:lnRef>
+            <a:fillRef idx="1">
+              <a:schemeClr val="accent1"/>
+            </a:fillRef>
+            <a:effectRef idx="0">
+              <a:schemeClr val="accent1"/>
+            </a:effectRef>
+            <a:fontRef idx="minor">
+              <a:schemeClr val="lt1"/>
+            </a:fontRef>
+          </p:style>
+          <p:txBody>
+            <a:bodyPr rtlCol="0" anchor="ctr"/>
+            <a:lstStyle/>
+            <a:p>
+              <a:pPr algn="ctr"/>
+              <a:r>
+                <a:rPr lang="en-US" altLang="zh-CN" sz="1600" b="1" dirty="0" err="1">
+                  <a:solidFill>
+                    <a:schemeClr val="accent6"/>
+                  </a:solidFill>
+                  <a:latin typeface="Inconsolata" panose="00000509000000000000" pitchFamily="49" charset="0"/>
+                </a:rPr>
+                <a:t>distance_decrease_reward</a:t>
+              </a:r>
+              <a:endParaRPr lang="zh-CN" altLang="en-US" sz="1600" b="1" dirty="0">
+                <a:solidFill>
+                  <a:schemeClr val="accent6"/>
+                </a:solidFill>
+                <a:latin typeface="Inconsolata" panose="00000509000000000000" pitchFamily="49" charset="0"/>
+              </a:endParaRPr>
+            </a:p>
+          </p:txBody>
+        </p:sp>
+        <p:sp>
+          <p:nvSpPr>
+            <p:cNvPr id="47" name="矩形: 圆角 46">
+              <a:extLst>
+                <a:ext uri="{FF2B5EF4-FFF2-40B4-BE49-F238E27FC236}">
+                  <a16:creationId xmlns:a16="http://schemas.microsoft.com/office/drawing/2014/main" id="{1A8652BF-8013-4C3C-1FC9-DC755FAD897B}"/>
+                </a:ext>
+              </a:extLst>
+            </p:cNvPr>
+            <p:cNvSpPr/>
+            <p:nvPr/>
+          </p:nvSpPr>
+          <p:spPr>
+            <a:xfrm>
+              <a:off x="852088" y="4953928"/>
+              <a:ext cx="2846513" cy="524715"/>
+            </a:xfrm>
+            <a:prstGeom prst="roundRect">
+              <a:avLst>
+                <a:gd name="adj" fmla="val 0"/>
+              </a:avLst>
+            </a:prstGeom>
+            <a:noFill/>
+            <a:ln>
+              <a:solidFill>
+                <a:schemeClr val="accent6"/>
+              </a:solidFill>
+            </a:ln>
+          </p:spPr>
+          <p:style>
+            <a:lnRef idx="2">
+              <a:schemeClr val="accent1">
+                <a:shade val="15000"/>
+              </a:schemeClr>
+            </a:lnRef>
+            <a:fillRef idx="1">
+              <a:schemeClr val="accent1"/>
+            </a:fillRef>
+            <a:effectRef idx="0">
+              <a:schemeClr val="accent1"/>
+            </a:effectRef>
+            <a:fontRef idx="minor">
+              <a:schemeClr val="lt1"/>
+            </a:fontRef>
+          </p:style>
+          <p:txBody>
+            <a:bodyPr rtlCol="0" anchor="ctr"/>
+            <a:lstStyle/>
+            <a:p>
+              <a:pPr algn="ctr"/>
+              <a:r>
+                <a:rPr lang="en-US" altLang="zh-CN" sz="1600" dirty="0" err="1">
+                  <a:solidFill>
+                    <a:schemeClr val="accent6"/>
+                  </a:solidFill>
+                  <a:latin typeface="Inconsolata" panose="00000509000000000000" pitchFamily="49" charset="0"/>
+                </a:rPr>
+                <a:t>reached_box_reward</a:t>
+              </a:r>
+              <a:endParaRPr lang="zh-CN" altLang="en-US" sz="1600" dirty="0">
+                <a:solidFill>
+                  <a:schemeClr val="accent6"/>
+                </a:solidFill>
+                <a:latin typeface="Inconsolata" panose="00000509000000000000" pitchFamily="49" charset="0"/>
+              </a:endParaRPr>
+            </a:p>
+          </p:txBody>
+        </p:sp>
+        <p:sp>
+          <p:nvSpPr>
+            <p:cNvPr id="48" name="矩形: 圆角 47">
+              <a:extLst>
+                <a:ext uri="{FF2B5EF4-FFF2-40B4-BE49-F238E27FC236}">
+                  <a16:creationId xmlns:a16="http://schemas.microsoft.com/office/drawing/2014/main" id="{BE10E1C7-88F4-6AEA-6D20-659E910FC28F}"/>
+                </a:ext>
+              </a:extLst>
+            </p:cNvPr>
+            <p:cNvSpPr/>
+            <p:nvPr/>
+          </p:nvSpPr>
+          <p:spPr>
+            <a:xfrm>
+              <a:off x="3918157" y="3255035"/>
+              <a:ext cx="2349731" cy="524715"/>
+            </a:xfrm>
+            <a:prstGeom prst="roundRect">
+              <a:avLst>
+                <a:gd name="adj" fmla="val 50000"/>
+              </a:avLst>
+            </a:prstGeom>
+            <a:noFill/>
+            <a:ln>
+              <a:solidFill>
+                <a:srgbClr val="C00000"/>
+              </a:solidFill>
+            </a:ln>
+          </p:spPr>
+          <p:style>
+            <a:lnRef idx="2">
+              <a:schemeClr val="accent1">
+                <a:shade val="15000"/>
+              </a:schemeClr>
+            </a:lnRef>
+            <a:fillRef idx="1">
+              <a:schemeClr val="accent1"/>
+            </a:fillRef>
+            <a:effectRef idx="0">
+              <a:schemeClr val="accent1"/>
+            </a:effectRef>
+            <a:fontRef idx="minor">
+              <a:schemeClr val="lt1"/>
+            </a:fontRef>
+          </p:style>
+          <p:txBody>
+            <a:bodyPr rtlCol="0" anchor="ctr"/>
+            <a:lstStyle/>
+            <a:p>
+              <a:pPr algn="ctr"/>
+              <a:r>
+                <a:rPr lang="en-US" altLang="zh-CN" sz="1600" dirty="0" err="1">
+                  <a:solidFill>
+                    <a:srgbClr val="C00000"/>
+                  </a:solidFill>
+                  <a:latin typeface="Inconsolata" panose="00000509000000000000" pitchFamily="49" charset="0"/>
+                </a:rPr>
+                <a:t>oscillation_penalty</a:t>
+              </a:r>
+              <a:endParaRPr lang="zh-CN" altLang="en-US" sz="1600" dirty="0">
+                <a:solidFill>
+                  <a:srgbClr val="C00000"/>
+                </a:solidFill>
+                <a:latin typeface="Inconsolata" panose="00000509000000000000" pitchFamily="49" charset="0"/>
+              </a:endParaRPr>
+            </a:p>
+          </p:txBody>
+        </p:sp>
+        <p:sp>
+          <p:nvSpPr>
+            <p:cNvPr id="49" name="矩形: 圆角 48">
+              <a:extLst>
+                <a:ext uri="{FF2B5EF4-FFF2-40B4-BE49-F238E27FC236}">
+                  <a16:creationId xmlns:a16="http://schemas.microsoft.com/office/drawing/2014/main" id="{124DF2C9-EF08-98F7-CB8B-58CA5B3094CC}"/>
+                </a:ext>
+              </a:extLst>
+            </p:cNvPr>
+            <p:cNvSpPr/>
+            <p:nvPr/>
+          </p:nvSpPr>
+          <p:spPr>
+            <a:xfrm>
+              <a:off x="6461653" y="3255035"/>
+              <a:ext cx="2534852" cy="524715"/>
+            </a:xfrm>
+            <a:prstGeom prst="roundRect">
+              <a:avLst>
+                <a:gd name="adj" fmla="val 50000"/>
+              </a:avLst>
+            </a:prstGeom>
+            <a:noFill/>
+            <a:ln>
+              <a:solidFill>
+                <a:srgbClr val="C00000"/>
+              </a:solidFill>
+            </a:ln>
+          </p:spPr>
+          <p:style>
+            <a:lnRef idx="2">
+              <a:schemeClr val="accent1">
+                <a:shade val="15000"/>
+              </a:schemeClr>
+            </a:lnRef>
+            <a:fillRef idx="1">
+              <a:schemeClr val="accent1"/>
+            </a:fillRef>
+            <a:effectRef idx="0">
+              <a:schemeClr val="accent1"/>
+            </a:effectRef>
+            <a:fontRef idx="minor">
+              <a:schemeClr val="lt1"/>
+            </a:fontRef>
+          </p:style>
+          <p:txBody>
+            <a:bodyPr rtlCol="0" anchor="ctr"/>
+            <a:lstStyle/>
+            <a:p>
+              <a:pPr algn="ctr"/>
+              <a:r>
+                <a:rPr lang="en-US" altLang="zh-CN" sz="1600" dirty="0" err="1">
+                  <a:solidFill>
+                    <a:srgbClr val="C00000"/>
+                  </a:solidFill>
+                  <a:latin typeface="Inconsolata" panose="00000509000000000000" pitchFamily="49" charset="0"/>
+                </a:rPr>
+                <a:t>out_of_bounds_penalty</a:t>
+              </a:r>
+              <a:endParaRPr lang="zh-CN" altLang="en-US" sz="1600" dirty="0">
+                <a:solidFill>
+                  <a:srgbClr val="C00000"/>
+                </a:solidFill>
+                <a:latin typeface="Inconsolata" panose="00000509000000000000" pitchFamily="49" charset="0"/>
+              </a:endParaRPr>
+            </a:p>
+          </p:txBody>
+        </p:sp>
+        <p:sp>
+          <p:nvSpPr>
+            <p:cNvPr id="50" name="矩形: 圆角 49">
+              <a:extLst>
+                <a:ext uri="{FF2B5EF4-FFF2-40B4-BE49-F238E27FC236}">
+                  <a16:creationId xmlns:a16="http://schemas.microsoft.com/office/drawing/2014/main" id="{8AE02386-D121-A22F-0E2E-66D32FA82196}"/>
+                </a:ext>
+              </a:extLst>
+            </p:cNvPr>
+            <p:cNvSpPr/>
+            <p:nvPr/>
+          </p:nvSpPr>
+          <p:spPr>
+            <a:xfrm>
+              <a:off x="9205865" y="3246157"/>
+              <a:ext cx="2915242" cy="524715"/>
+            </a:xfrm>
+            <a:prstGeom prst="roundRect">
+              <a:avLst>
+                <a:gd name="adj" fmla="val 50000"/>
+              </a:avLst>
+            </a:prstGeom>
+            <a:noFill/>
+            <a:ln>
+              <a:solidFill>
+                <a:schemeClr val="accent6"/>
+              </a:solidFill>
+            </a:ln>
+          </p:spPr>
+          <p:style>
+            <a:lnRef idx="2">
+              <a:schemeClr val="accent1">
+                <a:shade val="15000"/>
+              </a:schemeClr>
+            </a:lnRef>
+            <a:fillRef idx="1">
+              <a:schemeClr val="accent1"/>
+            </a:fillRef>
+            <a:effectRef idx="0">
+              <a:schemeClr val="accent1"/>
+            </a:effectRef>
+            <a:fontRef idx="minor">
+              <a:schemeClr val="lt1"/>
+            </a:fontRef>
+          </p:style>
+          <p:txBody>
+            <a:bodyPr rtlCol="0" anchor="ctr"/>
+            <a:lstStyle/>
+            <a:p>
+              <a:pPr algn="ctr"/>
+              <a:r>
+                <a:rPr lang="en-US" altLang="zh-CN" sz="1600" dirty="0" err="1">
+                  <a:solidFill>
+                    <a:schemeClr val="accent6"/>
+                  </a:solidFill>
+                  <a:latin typeface="Inconsolata" panose="00000509000000000000" pitchFamily="49" charset="0"/>
+                </a:rPr>
+                <a:t>fov_exploration_reward</a:t>
+              </a:r>
+              <a:endParaRPr lang="zh-CN" altLang="en-US" sz="1600" dirty="0">
+                <a:solidFill>
+                  <a:schemeClr val="accent6"/>
+                </a:solidFill>
+                <a:latin typeface="Inconsolata" panose="00000509000000000000" pitchFamily="49" charset="0"/>
+              </a:endParaRPr>
+            </a:p>
+          </p:txBody>
+        </p:sp>
+        <p:sp>
+          <p:nvSpPr>
+            <p:cNvPr id="51" name="矩形: 圆角 50">
+              <a:extLst>
+                <a:ext uri="{FF2B5EF4-FFF2-40B4-BE49-F238E27FC236}">
+                  <a16:creationId xmlns:a16="http://schemas.microsoft.com/office/drawing/2014/main" id="{8426430B-357C-3876-CA13-38765AC47DCC}"/>
+                </a:ext>
+              </a:extLst>
+            </p:cNvPr>
+            <p:cNvSpPr/>
+            <p:nvPr/>
+          </p:nvSpPr>
+          <p:spPr>
+            <a:xfrm>
+              <a:off x="5025662" y="4176038"/>
+              <a:ext cx="7095447" cy="524715"/>
+            </a:xfrm>
+            <a:prstGeom prst="roundRect">
+              <a:avLst>
+                <a:gd name="adj" fmla="val 50000"/>
+              </a:avLst>
+            </a:prstGeom>
+            <a:noFill/>
+            <a:ln>
+              <a:solidFill>
+                <a:schemeClr val="accent6"/>
+              </a:solidFill>
+            </a:ln>
+          </p:spPr>
+          <p:style>
+            <a:lnRef idx="2">
+              <a:schemeClr val="accent1">
+                <a:shade val="15000"/>
+              </a:schemeClr>
+            </a:lnRef>
+            <a:fillRef idx="1">
+              <a:schemeClr val="accent1"/>
+            </a:fillRef>
+            <a:effectRef idx="0">
+              <a:schemeClr val="accent1"/>
+            </a:effectRef>
+            <a:fontRef idx="minor">
+              <a:schemeClr val="lt1"/>
+            </a:fontRef>
+          </p:style>
+          <p:txBody>
+            <a:bodyPr rtlCol="0" anchor="ctr"/>
+            <a:lstStyle/>
+            <a:p>
+              <a:pPr algn="ctr"/>
+              <a:r>
+                <a:rPr lang="en-US" altLang="zh-CN" sz="1600" dirty="0" err="1">
+                  <a:solidFill>
+                    <a:schemeClr val="accent6"/>
+                  </a:solidFill>
+                  <a:latin typeface="Inconsolata" panose="00000509000000000000" pitchFamily="49" charset="0"/>
+                </a:rPr>
+                <a:t>trajectory_distance_reward</a:t>
+              </a:r>
+              <a:endParaRPr lang="zh-CN" altLang="en-US" sz="1600" dirty="0">
+                <a:solidFill>
+                  <a:schemeClr val="accent6"/>
+                </a:solidFill>
+                <a:latin typeface="Inconsolata" panose="00000509000000000000" pitchFamily="49" charset="0"/>
+              </a:endParaRPr>
+            </a:p>
+          </p:txBody>
+        </p:sp>
+        <p:sp>
+          <p:nvSpPr>
+            <p:cNvPr id="52" name="矩形: 圆角 51">
+              <a:extLst>
+                <a:ext uri="{FF2B5EF4-FFF2-40B4-BE49-F238E27FC236}">
+                  <a16:creationId xmlns:a16="http://schemas.microsoft.com/office/drawing/2014/main" id="{4E94D9A3-CCCC-4E87-1827-5CC612207AD8}"/>
+                </a:ext>
+              </a:extLst>
+            </p:cNvPr>
+            <p:cNvSpPr/>
+            <p:nvPr/>
+          </p:nvSpPr>
+          <p:spPr>
+            <a:xfrm>
+              <a:off x="5025662" y="4941253"/>
+              <a:ext cx="3789153" cy="524715"/>
+            </a:xfrm>
+            <a:prstGeom prst="roundRect">
+              <a:avLst>
+                <a:gd name="adj" fmla="val 0"/>
+              </a:avLst>
+            </a:prstGeom>
+            <a:noFill/>
+            <a:ln>
+              <a:solidFill>
+                <a:schemeClr val="accent6"/>
+              </a:solidFill>
+            </a:ln>
+          </p:spPr>
+          <p:style>
+            <a:lnRef idx="2">
+              <a:schemeClr val="accent1">
+                <a:shade val="15000"/>
+              </a:schemeClr>
+            </a:lnRef>
+            <a:fillRef idx="1">
+              <a:schemeClr val="accent1"/>
+            </a:fillRef>
+            <a:effectRef idx="0">
+              <a:schemeClr val="accent1"/>
+            </a:effectRef>
+            <a:fontRef idx="minor">
+              <a:schemeClr val="lt1"/>
+            </a:fontRef>
+          </p:style>
+          <p:txBody>
+            <a:bodyPr rtlCol="0" anchor="ctr"/>
+            <a:lstStyle/>
+            <a:p>
+              <a:pPr algn="ctr"/>
+              <a:r>
+                <a:rPr lang="en-US" altLang="zh-CN" sz="1600" dirty="0" err="1">
+                  <a:solidFill>
+                    <a:schemeClr val="accent6"/>
+                  </a:solidFill>
+                  <a:latin typeface="Inconsolata" panose="00000509000000000000" pitchFamily="49" charset="0"/>
+                </a:rPr>
+                <a:t>trajectory_progress_finish_reward</a:t>
+              </a:r>
+              <a:endParaRPr lang="zh-CN" altLang="en-US" sz="1600" dirty="0">
+                <a:solidFill>
+                  <a:schemeClr val="accent6"/>
+                </a:solidFill>
+                <a:latin typeface="Inconsolata" panose="00000509000000000000" pitchFamily="49" charset="0"/>
+              </a:endParaRPr>
+            </a:p>
+          </p:txBody>
+        </p:sp>
+        <p:sp>
+          <p:nvSpPr>
+            <p:cNvPr id="53" name="矩形: 圆角 52">
+              <a:extLst>
+                <a:ext uri="{FF2B5EF4-FFF2-40B4-BE49-F238E27FC236}">
+                  <a16:creationId xmlns:a16="http://schemas.microsoft.com/office/drawing/2014/main" id="{6C52B537-1208-4010-65C3-8A0296948081}"/>
+                </a:ext>
+              </a:extLst>
+            </p:cNvPr>
+            <p:cNvSpPr/>
+            <p:nvPr/>
+          </p:nvSpPr>
+          <p:spPr>
+            <a:xfrm>
+              <a:off x="8920575" y="4941252"/>
+              <a:ext cx="3200532" cy="524715"/>
+            </a:xfrm>
+            <a:prstGeom prst="roundRect">
+              <a:avLst>
+                <a:gd name="adj" fmla="val 50000"/>
+              </a:avLst>
+            </a:prstGeom>
+            <a:noFill/>
+            <a:ln>
+              <a:solidFill>
+                <a:schemeClr val="accent6"/>
+              </a:solidFill>
+            </a:ln>
+          </p:spPr>
+          <p:style>
+            <a:lnRef idx="2">
+              <a:schemeClr val="accent1">
+                <a:shade val="15000"/>
+              </a:schemeClr>
+            </a:lnRef>
+            <a:fillRef idx="1">
+              <a:schemeClr val="accent1"/>
+            </a:fillRef>
+            <a:effectRef idx="0">
+              <a:schemeClr val="accent1"/>
+            </a:effectRef>
+            <a:fontRef idx="minor">
+              <a:schemeClr val="lt1"/>
+            </a:fontRef>
+          </p:style>
+          <p:txBody>
+            <a:bodyPr rtlCol="0" anchor="ctr"/>
+            <a:lstStyle/>
+            <a:p>
+              <a:pPr algn="ctr"/>
+              <a:r>
+                <a:rPr lang="en-US" altLang="zh-CN" sz="1600" dirty="0" err="1">
+                  <a:solidFill>
+                    <a:schemeClr val="accent6"/>
+                  </a:solidFill>
+                  <a:latin typeface="Inconsolata" panose="00000509000000000000" pitchFamily="49" charset="0"/>
+                </a:rPr>
+                <a:t>slow_down_near_finish_reward</a:t>
+              </a:r>
+              <a:endParaRPr lang="zh-CN" altLang="en-US" sz="1600" dirty="0">
+                <a:solidFill>
+                  <a:schemeClr val="accent6"/>
+                </a:solidFill>
+                <a:latin typeface="Inconsolata" panose="00000509000000000000" pitchFamily="49" charset="0"/>
+              </a:endParaRPr>
+            </a:p>
+          </p:txBody>
+        </p:sp>
+        <p:cxnSp>
+          <p:nvCxnSpPr>
+            <p:cNvPr id="55" name="直接连接符 54">
+              <a:extLst>
+                <a:ext uri="{FF2B5EF4-FFF2-40B4-BE49-F238E27FC236}">
+                  <a16:creationId xmlns:a16="http://schemas.microsoft.com/office/drawing/2014/main" id="{9CFEC0EC-5955-BAF3-41E2-C4CBBE0E1416}"/>
+                </a:ext>
+              </a:extLst>
+            </p:cNvPr>
+            <p:cNvCxnSpPr>
+              <a:cxnSpLocks/>
+            </p:cNvCxnSpPr>
+            <p:nvPr/>
+          </p:nvCxnSpPr>
+          <p:spPr>
+            <a:xfrm>
+              <a:off x="4337914" y="4048526"/>
+              <a:ext cx="0" cy="1572768"/>
+            </a:xfrm>
+            <a:prstGeom prst="line">
+              <a:avLst/>
+            </a:prstGeom>
+          </p:spPr>
+          <p:style>
+            <a:lnRef idx="2">
+              <a:schemeClr val="dk1"/>
+            </a:lnRef>
+            <a:fillRef idx="0">
+              <a:schemeClr val="dk1"/>
+            </a:fillRef>
+            <a:effectRef idx="1">
+              <a:schemeClr val="dk1"/>
+            </a:effectRef>
+            <a:fontRef idx="minor">
+              <a:schemeClr val="tx1"/>
+            </a:fontRef>
+          </p:style>
+        </p:cxnSp>
+        <p:sp>
+          <p:nvSpPr>
+            <p:cNvPr id="57" name="文本框 56">
+              <a:extLst>
+                <a:ext uri="{FF2B5EF4-FFF2-40B4-BE49-F238E27FC236}">
+                  <a16:creationId xmlns:a16="http://schemas.microsoft.com/office/drawing/2014/main" id="{60A0245F-310F-84D1-9ADA-E40833B90695}"/>
+                </a:ext>
+              </a:extLst>
+            </p:cNvPr>
+            <p:cNvSpPr txBox="1"/>
+            <p:nvPr/>
+          </p:nvSpPr>
+          <p:spPr>
+            <a:xfrm>
+              <a:off x="1324367" y="5621978"/>
+              <a:ext cx="1901952" cy="369332"/>
+            </a:xfrm>
+            <a:prstGeom prst="rect">
+              <a:avLst/>
+            </a:prstGeom>
+            <a:noFill/>
+          </p:spPr>
+          <p:txBody>
+            <a:bodyPr wrap="square" rtlCol="0">
+              <a:spAutoFit/>
+            </a:bodyPr>
+            <a:lstStyle/>
+            <a:p>
+              <a:r>
+                <a:rPr lang="en-US" altLang="zh-CN" dirty="0">
+                  <a:latin typeface="Times New Roman" panose="02020603050405020304" pitchFamily="18" charset="0"/>
+                  <a:cs typeface="Times New Roman" panose="02020603050405020304" pitchFamily="18" charset="0"/>
+                </a:rPr>
+                <a:t>Step1: reach box </a:t>
+              </a:r>
+              <a:endParaRPr lang="zh-CN" altLang="en-US" dirty="0">
+                <a:latin typeface="Times New Roman" panose="02020603050405020304" pitchFamily="18" charset="0"/>
+                <a:cs typeface="Times New Roman" panose="02020603050405020304" pitchFamily="18" charset="0"/>
+              </a:endParaRPr>
+            </a:p>
+          </p:txBody>
+        </p:sp>
+        <p:sp>
+          <p:nvSpPr>
+            <p:cNvPr id="58" name="文本框 57">
+              <a:extLst>
+                <a:ext uri="{FF2B5EF4-FFF2-40B4-BE49-F238E27FC236}">
+                  <a16:creationId xmlns:a16="http://schemas.microsoft.com/office/drawing/2014/main" id="{4068D98A-AFB6-9AF0-66D3-53581F6CEE5E}"/>
+                </a:ext>
+              </a:extLst>
+            </p:cNvPr>
+            <p:cNvSpPr txBox="1"/>
+            <p:nvPr/>
+          </p:nvSpPr>
+          <p:spPr>
+            <a:xfrm>
+              <a:off x="6651604" y="5644102"/>
+              <a:ext cx="3843561" cy="369332"/>
+            </a:xfrm>
+            <a:prstGeom prst="rect">
+              <a:avLst/>
+            </a:prstGeom>
+            <a:noFill/>
+          </p:spPr>
+          <p:txBody>
+            <a:bodyPr wrap="square" rtlCol="0">
+              <a:spAutoFit/>
+            </a:bodyPr>
+            <a:lstStyle/>
+            <a:p>
+              <a:r>
+                <a:rPr lang="en-US" altLang="zh-CN" dirty="0">
+                  <a:latin typeface="Times New Roman" panose="02020603050405020304" pitchFamily="18" charset="0"/>
+                  <a:cs typeface="Times New Roman" panose="02020603050405020304" pitchFamily="18" charset="0"/>
+                </a:rPr>
+                <a:t>Step2: push box tracking the trajectory</a:t>
+              </a:r>
+              <a:endParaRPr lang="zh-CN" altLang="en-US" dirty="0">
+                <a:latin typeface="Times New Roman" panose="02020603050405020304" pitchFamily="18" charset="0"/>
+                <a:cs typeface="Times New Roman" panose="02020603050405020304" pitchFamily="18" charset="0"/>
+              </a:endParaRPr>
+            </a:p>
+          </p:txBody>
+        </p:sp>
+        <p:cxnSp>
+          <p:nvCxnSpPr>
+            <p:cNvPr id="60" name="直接箭头连接符 59">
+              <a:extLst>
+                <a:ext uri="{FF2B5EF4-FFF2-40B4-BE49-F238E27FC236}">
+                  <a16:creationId xmlns:a16="http://schemas.microsoft.com/office/drawing/2014/main" id="{C2A47D7C-BD24-E125-42FE-D4670B36B502}"/>
+                </a:ext>
+              </a:extLst>
+            </p:cNvPr>
+            <p:cNvCxnSpPr>
+              <a:cxnSpLocks/>
+              <a:stCxn id="44" idx="2"/>
+            </p:cNvCxnSpPr>
+            <p:nvPr/>
+          </p:nvCxnSpPr>
+          <p:spPr>
+            <a:xfrm>
+              <a:off x="2280443" y="3779750"/>
+              <a:ext cx="404233" cy="214349"/>
+            </a:xfrm>
+            <a:prstGeom prst="straightConnector1">
+              <a:avLst/>
+            </a:prstGeom>
+            <a:ln>
+              <a:tailEnd type="triangle"/>
+            </a:ln>
+          </p:spPr>
+          <p:style>
+            <a:lnRef idx="2">
+              <a:schemeClr val="accent6"/>
+            </a:lnRef>
+            <a:fillRef idx="0">
+              <a:schemeClr val="accent6"/>
+            </a:fillRef>
+            <a:effectRef idx="1">
+              <a:schemeClr val="accent6"/>
+            </a:effectRef>
+            <a:fontRef idx="minor">
+              <a:schemeClr val="tx1"/>
+            </a:fontRef>
+          </p:style>
+        </p:cxnSp>
+        <p:cxnSp>
+          <p:nvCxnSpPr>
+            <p:cNvPr id="62" name="直接箭头连接符 61">
+              <a:extLst>
+                <a:ext uri="{FF2B5EF4-FFF2-40B4-BE49-F238E27FC236}">
+                  <a16:creationId xmlns:a16="http://schemas.microsoft.com/office/drawing/2014/main" id="{19C884BF-7809-9F79-E9B7-AC2E6DD40519}"/>
+                </a:ext>
+              </a:extLst>
+            </p:cNvPr>
+            <p:cNvCxnSpPr>
+              <a:cxnSpLocks/>
+              <a:stCxn id="44" idx="2"/>
+            </p:cNvCxnSpPr>
+            <p:nvPr/>
+          </p:nvCxnSpPr>
+          <p:spPr>
+            <a:xfrm>
+              <a:off x="2280443" y="3779750"/>
+              <a:ext cx="6376971" cy="214349"/>
+            </a:xfrm>
+            <a:prstGeom prst="straightConnector1">
+              <a:avLst/>
+            </a:prstGeom>
+            <a:ln>
+              <a:tailEnd type="triangle"/>
+            </a:ln>
+          </p:spPr>
+          <p:style>
+            <a:lnRef idx="2">
+              <a:schemeClr val="accent6"/>
+            </a:lnRef>
+            <a:fillRef idx="0">
+              <a:schemeClr val="accent6"/>
+            </a:fillRef>
+            <a:effectRef idx="1">
+              <a:schemeClr val="accent6"/>
+            </a:effectRef>
+            <a:fontRef idx="minor">
+              <a:schemeClr val="tx1"/>
+            </a:fontRef>
+          </p:style>
+        </p:cxnSp>
+      </p:grpSp>
+      <p:sp>
+        <p:nvSpPr>
+          <p:cNvPr id="66" name="箭头: 圆角右 65">
+            <a:extLst>
+              <a:ext uri="{FF2B5EF4-FFF2-40B4-BE49-F238E27FC236}">
+                <a16:creationId xmlns:a16="http://schemas.microsoft.com/office/drawing/2014/main" id="{DBB9FDEC-12D4-163E-FCFD-51B31508F20A}"/>
+              </a:ext>
+            </a:extLst>
+          </p:cNvPr>
+          <p:cNvSpPr/>
+          <p:nvPr/>
+        </p:nvSpPr>
+        <p:spPr>
+          <a:xfrm flipH="1" flipV="1">
+            <a:off x="6561734" y="2392515"/>
+            <a:ext cx="3593348" cy="1278553"/>
+          </a:xfrm>
+          <a:prstGeom prst="bentArrow">
+            <a:avLst>
+              <a:gd name="adj1" fmla="val 14129"/>
+              <a:gd name="adj2" fmla="val 13645"/>
+              <a:gd name="adj3" fmla="val 29577"/>
+              <a:gd name="adj4" fmla="val 43750"/>
+            </a:avLst>
+          </a:prstGeom>
+          <a:noFill/>
+        </p:spPr>
+        <p:style>
+          <a:lnRef idx="2">
+            <a:schemeClr val="accent1">
+              <a:shade val="15000"/>
+            </a:schemeClr>
+          </a:lnRef>
+          <a:fillRef idx="1">
+            <a:schemeClr val="accent1"/>
+          </a:fillRef>
+          <a:effectRef idx="0">
+            <a:schemeClr val="accent1"/>
+          </a:effectRef>
+          <a:fontRef idx="minor">
+            <a:schemeClr val="lt1"/>
+          </a:fontRef>
+        </p:style>
+        <p:txBody>
+          <a:bodyPr rtlCol="0" anchor="ctr"/>
+          <a:lstStyle/>
+          <a:p>
+            <a:pPr algn="ctr"/>
+            <a:endParaRPr lang="zh-CN" altLang="en-US">
+              <a:solidFill>
+                <a:schemeClr val="tx1"/>
+              </a:solidFill>
+            </a:endParaRPr>
+          </a:p>
+        </p:txBody>
+      </p:sp>
+      <p:sp>
+        <p:nvSpPr>
+          <p:cNvPr id="67" name="箭头: 右 66">
+            <a:extLst>
+              <a:ext uri="{FF2B5EF4-FFF2-40B4-BE49-F238E27FC236}">
+                <a16:creationId xmlns:a16="http://schemas.microsoft.com/office/drawing/2014/main" id="{CF1563F0-57AB-00AD-3308-CB7CA82ECF51}"/>
+              </a:ext>
+            </a:extLst>
+          </p:cNvPr>
+          <p:cNvSpPr/>
+          <p:nvPr/>
+        </p:nvSpPr>
+        <p:spPr>
+          <a:xfrm rot="16200000">
+            <a:off x="5473801" y="2896724"/>
+            <a:ext cx="573314" cy="342024"/>
+          </a:xfrm>
+          <a:prstGeom prst="rightArrow">
+            <a:avLst/>
+          </a:prstGeom>
+          <a:noFill/>
+        </p:spPr>
+        <p:style>
+          <a:lnRef idx="2">
+            <a:schemeClr val="accent1">
+              <a:shade val="15000"/>
+            </a:schemeClr>
+          </a:lnRef>
+          <a:fillRef idx="1">
+            <a:schemeClr val="accent1"/>
+          </a:fillRef>
+          <a:effectRef idx="0">
+            <a:schemeClr val="accent1"/>
+          </a:effectRef>
+          <a:fontRef idx="minor">
+            <a:schemeClr val="lt1"/>
+          </a:fontRef>
+        </p:style>
+        <p:txBody>
+          <a:bodyPr rtlCol="0" anchor="ctr"/>
+          <a:lstStyle/>
+          <a:p>
+            <a:pPr algn="ctr"/>
+            <a:endParaRPr lang="zh-CN" altLang="en-US"/>
+          </a:p>
+        </p:txBody>
+      </p:sp>
+      <p:sp>
+        <p:nvSpPr>
+          <p:cNvPr id="2" name="矩形: 圆角 1">
+            <a:extLst>
+              <a:ext uri="{FF2B5EF4-FFF2-40B4-BE49-F238E27FC236}">
+                <a16:creationId xmlns:a16="http://schemas.microsoft.com/office/drawing/2014/main" id="{F82857B1-75A8-2FC5-3799-A78AAA70FA1A}"/>
+              </a:ext>
+            </a:extLst>
+          </p:cNvPr>
+          <p:cNvSpPr/>
+          <p:nvPr/>
+        </p:nvSpPr>
+        <p:spPr>
+          <a:xfrm>
+            <a:off x="1555407" y="3067735"/>
+            <a:ext cx="1439876" cy="437083"/>
+          </a:xfrm>
+          <a:prstGeom prst="roundRect">
+            <a:avLst/>
+          </a:prstGeom>
+          <a:noFill/>
+        </p:spPr>
+        <p:style>
+          <a:lnRef idx="2">
+            <a:schemeClr val="accent1">
+              <a:shade val="15000"/>
+            </a:schemeClr>
+          </a:lnRef>
+          <a:fillRef idx="1">
+            <a:schemeClr val="accent1"/>
+          </a:fillRef>
+          <a:effectRef idx="0">
+            <a:schemeClr val="accent1"/>
+          </a:effectRef>
+          <a:fontRef idx="minor">
+            <a:schemeClr val="lt1"/>
+          </a:fontRef>
+        </p:style>
+        <p:txBody>
+          <a:bodyPr rtlCol="0" anchor="ctr"/>
+          <a:lstStyle/>
+          <a:p>
+            <a:pPr algn="ctr"/>
+            <a:r>
+              <a:rPr lang="en-US" altLang="zh-CN" b="1" dirty="0">
+                <a:solidFill>
+                  <a:schemeClr val="tx1"/>
+                </a:solidFill>
+                <a:latin typeface="Inconsolata" panose="00000509000000000000" pitchFamily="49" charset="0"/>
+                <a:ea typeface="Inconsolata" panose="00000509000000000000" pitchFamily="49" charset="0"/>
+              </a:rPr>
+              <a:t>Action</a:t>
+            </a:r>
+            <a:endParaRPr lang="zh-CN" altLang="en-US" b="1" dirty="0">
+              <a:solidFill>
+                <a:schemeClr val="tx1"/>
+              </a:solidFill>
+              <a:latin typeface="Inconsolata" panose="00000509000000000000" pitchFamily="49" charset="0"/>
+            </a:endParaRPr>
+          </a:p>
+        </p:txBody>
+      </p:sp>
+    </p:spTree>
+    <p:extLst>
+      <p:ext uri="{BB962C8B-B14F-4D97-AF65-F5344CB8AC3E}">
+        <p14:creationId xmlns:p14="http://schemas.microsoft.com/office/powerpoint/2010/main" val="4242121696"/>
+      </p:ext>
+    </p:extLst>
+  </p:cSld>
+  <p:clrMapOvr>
+    <a:masterClrMapping/>
+  </p:clrMapOvr>
+</p:sld>
+</file>
+
 <file path=ppt/tags/tag1.xml><?xml version="1.0" encoding="utf-8"?>
 <p:tagLst xmlns:a="http://schemas.openxmlformats.org/drawingml/2006/main" xmlns:r="http://schemas.openxmlformats.org/officeDocument/2006/relationships" xmlns:p="http://schemas.openxmlformats.org/presentationml/2006/main">
   <p:tag name="TYPE" val="icon"/>
